--- a/Later/Spring_Later/20_SprintBoot_Basics/17/Spring_Boot_Logging.pptx
+++ b/Later/Spring_Later/20_SprintBoot_Basics/17/Spring_Boot_Logging.pptx
@@ -4058,7 +4058,6 @@
               <a:rPr lang="en-US" sz="1200" dirty="0"/>
               <a:t>. Using these, we can configure the console logging as well as file logging.</a:t>
             </a:r>
-            <a:endParaRPr lang="en-US" sz="1200" dirty="0"/>
           </a:p>
         </p:txBody>
       </p:sp>
@@ -4101,7 +4100,6 @@
               <a:rPr lang="en-US" sz="1200" dirty="0"/>
               <a:t>The default Spring Boot Log format</a:t>
             </a:r>
-            <a:endParaRPr lang="en-US" sz="1200" dirty="0"/>
           </a:p>
         </p:txBody>
       </p:sp>
@@ -4753,6 +4751,130 @@
             <a:r>
               <a:rPr lang="en-US" dirty="0"/>
               <a:t>java –jar demo.jar --debug</a:t>
+            </a:r>
+          </a:p>
+        </p:txBody>
+      </p:sp>
+      <p:sp>
+        <p:nvSpPr>
+          <p:cNvPr id="4" name="Rounded Rectangle 3"/>
+          <p:cNvSpPr/>
+          <p:nvPr/>
+        </p:nvSpPr>
+        <p:spPr>
+          <a:xfrm>
+            <a:off x="266562" y="3581400"/>
+            <a:ext cx="7162800" cy="762000"/>
+          </a:xfrm>
+          <a:prstGeom prst="roundRect">
+            <a:avLst/>
+          </a:prstGeom>
+          <a:ln w="3175"/>
+        </p:spPr>
+        <p:style>
+          <a:lnRef idx="2">
+            <a:schemeClr val="accent3"/>
+          </a:lnRef>
+          <a:fillRef idx="1">
+            <a:schemeClr val="lt1"/>
+          </a:fillRef>
+          <a:effectRef idx="0">
+            <a:schemeClr val="accent3"/>
+          </a:effectRef>
+          <a:fontRef idx="minor">
+            <a:schemeClr val="dk1"/>
+          </a:fontRef>
+        </p:style>
+        <p:txBody>
+          <a:bodyPr rtlCol="0" anchor="ctr"/>
+          <a:lstStyle/>
+          <a:p>
+            <a:pPr marL="171450" indent="-171450">
+              <a:buFont typeface="Wingdings" pitchFamily="2" charset="2"/>
+              <a:buChar char="ü"/>
+            </a:pPr>
+            <a:r>
+              <a:rPr lang="en-US" sz="1200" dirty="0"/>
+              <a:t>Spring Boot supports all logger levels such as “TRACE”, “DEBUG”, “INFO”, “WARN”, “ERROR”, “FATAL”, “OFF</a:t>
+            </a:r>
+            <a:r>
+              <a:rPr lang="en-US" sz="1200" dirty="0" smtClean="0"/>
+              <a:t>”.</a:t>
+            </a:r>
+          </a:p>
+          <a:p>
+            <a:pPr marL="171450" indent="-171450">
+              <a:buFont typeface="Wingdings" pitchFamily="2" charset="2"/>
+              <a:buChar char="ü"/>
+            </a:pPr>
+            <a:endParaRPr lang="en-US" sz="1200" dirty="0"/>
+          </a:p>
+          <a:p>
+            <a:pPr marL="171450" indent="-171450">
+              <a:buFont typeface="Wingdings" pitchFamily="2" charset="2"/>
+              <a:buChar char="ü"/>
+            </a:pPr>
+            <a:r>
+              <a:rPr lang="en-US" sz="1200" dirty="0" smtClean="0"/>
+              <a:t>We </a:t>
+            </a:r>
+            <a:r>
+              <a:rPr lang="en-US" sz="1200" dirty="0"/>
+              <a:t>can define Root logger in the </a:t>
+            </a:r>
+            <a:r>
+              <a:rPr lang="en-US" sz="1200" dirty="0" err="1"/>
+              <a:t>application.properties</a:t>
+            </a:r>
+            <a:r>
+              <a:rPr lang="en-US" sz="1200" dirty="0"/>
+              <a:t> file</a:t>
+            </a:r>
+            <a:endParaRPr lang="en-US" sz="1200" dirty="0"/>
+          </a:p>
+        </p:txBody>
+      </p:sp>
+      <p:sp>
+        <p:nvSpPr>
+          <p:cNvPr id="7" name="Rounded Rectangle 6"/>
+          <p:cNvSpPr/>
+          <p:nvPr/>
+        </p:nvSpPr>
+        <p:spPr>
+          <a:xfrm>
+            <a:off x="4419600" y="3962400"/>
+            <a:ext cx="2057400" cy="304800"/>
+          </a:xfrm>
+          <a:prstGeom prst="roundRect">
+            <a:avLst/>
+          </a:prstGeom>
+        </p:spPr>
+        <p:style>
+          <a:lnRef idx="1">
+            <a:schemeClr val="accent2"/>
+          </a:lnRef>
+          <a:fillRef idx="3">
+            <a:schemeClr val="accent2"/>
+          </a:fillRef>
+          <a:effectRef idx="2">
+            <a:schemeClr val="accent2"/>
+          </a:effectRef>
+          <a:fontRef idx="minor">
+            <a:schemeClr val="lt1"/>
+          </a:fontRef>
+        </p:style>
+        <p:txBody>
+          <a:bodyPr rtlCol="0" anchor="ctr"/>
+          <a:lstStyle/>
+          <a:p>
+            <a:pPr algn="ctr"/>
+            <a:r>
+              <a:rPr lang="en-US" sz="1200" dirty="0" err="1"/>
+              <a:t>logging.level.root</a:t>
+            </a:r>
+            <a:r>
+              <a:rPr lang="en-US" sz="1200" dirty="0"/>
+              <a:t> = WARN</a:t>
             </a:r>
           </a:p>
         </p:txBody>
